--- a/FInal_project.pptx
+++ b/FInal_project.pptx
@@ -6,6 +6,10 @@
   </p:sldMasterIdLst>
   <p:sldIdLst>
     <p:sldId id="256" r:id="rId2"/>
+    <p:sldId id="257" r:id="rId3"/>
+    <p:sldId id="258" r:id="rId4"/>
+    <p:sldId id="260" r:id="rId5"/>
+    <p:sldId id="259" r:id="rId6"/>
   </p:sldIdLst>
   <p:sldSz cx="12192000" cy="6858000"/>
   <p:notesSz cx="6858000" cy="9144000"/>
@@ -104,6 +108,11 @@
       </a:defRPr>
     </a:lvl9pPr>
   </p:defaultTextStyle>
+  <p:extLst>
+    <p:ext uri="{EFAFB233-063F-42B5-8137-9DF3F51BA10A}">
+      <p15:sldGuideLst xmlns:p15="http://schemas.microsoft.com/office/powerpoint/2012/main"/>
+    </p:ext>
+  </p:extLst>
 </p:presentation>
 </file>
 
@@ -3358,7 +3367,12 @@
             <p:ph type="ctrTitle"/>
           </p:nvPr>
         </p:nvSpPr>
-        <p:spPr/>
+        <p:spPr>
+          <a:xfrm>
+            <a:off x="1524000" y="1122363"/>
+            <a:ext cx="9144000" cy="1327222"/>
+          </a:xfrm>
+        </p:spPr>
         <p:txBody>
           <a:bodyPr/>
           <a:lstStyle/>
@@ -3386,12 +3400,81 @@
             <p:ph type="subTitle" idx="1"/>
           </p:nvPr>
         </p:nvSpPr>
-        <p:spPr/>
-        <p:txBody>
-          <a:bodyPr/>
-          <a:lstStyle/>
-          <a:p>
-            <a:endParaRPr lang="ru-RU"/>
+        <p:spPr>
+          <a:xfrm>
+            <a:off x="1524000" y="3429000"/>
+            <a:ext cx="9144000" cy="673218"/>
+          </a:xfrm>
+        </p:spPr>
+        <p:txBody>
+          <a:bodyPr>
+            <a:normAutofit fontScale="85000" lnSpcReduction="20000"/>
+          </a:bodyPr>
+          <a:lstStyle/>
+          <a:p>
+            <a:r>
+              <a:rPr lang="ru-RU" dirty="0"/>
+              <a:t>Предсказание силы ветра для оптимизации работы </a:t>
+            </a:r>
+          </a:p>
+          <a:p>
+            <a:r>
+              <a:rPr lang="ru-RU" dirty="0"/>
+              <a:t>ветряных электростанций</a:t>
+            </a:r>
+          </a:p>
+          <a:p>
+            <a:endParaRPr lang="ru-RU" dirty="0"/>
+          </a:p>
+          <a:p>
+            <a:endParaRPr lang="ru-RU" dirty="0"/>
+          </a:p>
+        </p:txBody>
+      </p:sp>
+      <p:sp>
+        <p:nvSpPr>
+          <p:cNvPr id="4" name="TextBox 3">
+            <a:extLst>
+              <a:ext uri="{FF2B5EF4-FFF2-40B4-BE49-F238E27FC236}">
+                <a16:creationId xmlns:a16="http://schemas.microsoft.com/office/drawing/2014/main" id="{7E0C33A4-F5EC-4A62-BBE9-4FC4C302A420}"/>
+              </a:ext>
+            </a:extLst>
+          </p:cNvPr>
+          <p:cNvSpPr txBox="1"/>
+          <p:nvPr/>
+        </p:nvSpPr>
+        <p:spPr>
+          <a:xfrm>
+            <a:off x="2476150" y="5273972"/>
+            <a:ext cx="7239699" cy="923330"/>
+          </a:xfrm>
+          <a:prstGeom prst="rect">
+            <a:avLst/>
+          </a:prstGeom>
+          <a:noFill/>
+        </p:spPr>
+        <p:txBody>
+          <a:bodyPr wrap="square" rtlCol="0">
+            <a:spAutoFit/>
+          </a:bodyPr>
+          <a:lstStyle/>
+          <a:p>
+            <a:pPr algn="ctr"/>
+            <a:r>
+              <a:rPr lang="ru-RU" dirty="0"/>
+              <a:t>Дезигнед бай Дмитрий Летюк</a:t>
+            </a:r>
+          </a:p>
+          <a:p>
+            <a:pPr algn="ctr"/>
+            <a:r>
+              <a:rPr lang="ru-RU" dirty="0"/>
+              <a:t>2021</a:t>
+            </a:r>
+          </a:p>
+          <a:p>
+            <a:pPr algn="ctr"/>
+            <a:endParaRPr lang="ru-RU" dirty="0"/>
           </a:p>
         </p:txBody>
       </p:sp>
@@ -3399,6 +3482,650 @@
     <p:extLst>
       <p:ext uri="{BB962C8B-B14F-4D97-AF65-F5344CB8AC3E}">
         <p14:creationId xmlns:p14="http://schemas.microsoft.com/office/powerpoint/2010/main" val="3231694625"/>
+      </p:ext>
+    </p:extLst>
+  </p:cSld>
+  <p:clrMapOvr>
+    <a:masterClrMapping/>
+  </p:clrMapOvr>
+</p:sld>
+</file>
+
+<file path=ppt/slides/slide2.xml><?xml version="1.0" encoding="utf-8"?>
+<p:sld xmlns:a="http://schemas.openxmlformats.org/drawingml/2006/main" xmlns:r="http://schemas.openxmlformats.org/officeDocument/2006/relationships" xmlns:p="http://schemas.openxmlformats.org/presentationml/2006/main">
+  <p:cSld>
+    <p:spTree>
+      <p:nvGrpSpPr>
+        <p:cNvPr id="1" name=""/>
+        <p:cNvGrpSpPr/>
+        <p:nvPr/>
+      </p:nvGrpSpPr>
+      <p:grpSpPr>
+        <a:xfrm>
+          <a:off x="0" y="0"/>
+          <a:ext cx="0" cy="0"/>
+          <a:chOff x="0" y="0"/>
+          <a:chExt cx="0" cy="0"/>
+        </a:xfrm>
+      </p:grpSpPr>
+      <p:sp>
+        <p:nvSpPr>
+          <p:cNvPr id="2" name="TextBox 1">
+            <a:extLst>
+              <a:ext uri="{FF2B5EF4-FFF2-40B4-BE49-F238E27FC236}">
+                <a16:creationId xmlns:a16="http://schemas.microsoft.com/office/drawing/2014/main" id="{81E0D0A9-9826-4EF1-8F4B-45772459CD15}"/>
+              </a:ext>
+            </a:extLst>
+          </p:cNvPr>
+          <p:cNvSpPr txBox="1"/>
+          <p:nvPr/>
+        </p:nvSpPr>
+        <p:spPr>
+          <a:xfrm>
+            <a:off x="755009" y="612395"/>
+            <a:ext cx="10838576" cy="5078313"/>
+          </a:xfrm>
+          <a:prstGeom prst="rect">
+            <a:avLst/>
+          </a:prstGeom>
+          <a:noFill/>
+        </p:spPr>
+        <p:txBody>
+          <a:bodyPr wrap="square" rtlCol="0">
+            <a:spAutoFit/>
+          </a:bodyPr>
+          <a:lstStyle/>
+          <a:p>
+            <a:r>
+              <a:rPr lang="ru-RU" dirty="0"/>
+              <a:t>Проблема:</a:t>
+            </a:r>
+          </a:p>
+          <a:p>
+            <a:endParaRPr lang="ru-RU" dirty="0"/>
+          </a:p>
+          <a:p>
+            <a:pPr marL="285750" indent="-285750">
+              <a:buFontTx/>
+              <a:buChar char="-"/>
+            </a:pPr>
+            <a:r>
+              <a:rPr lang="ru-RU" dirty="0"/>
+              <a:t>Потеря мощности генерации, при недостаточной скорости ветра</a:t>
+            </a:r>
+          </a:p>
+          <a:p>
+            <a:pPr marL="285750" indent="-285750">
+              <a:buFontTx/>
+              <a:buChar char="-"/>
+            </a:pPr>
+            <a:r>
+              <a:rPr lang="ru-RU" dirty="0"/>
+              <a:t>Потрея мощности генерации, при превышеной скорости ветра</a:t>
+            </a:r>
+          </a:p>
+          <a:p>
+            <a:pPr marL="285750" indent="-285750">
+              <a:buFontTx/>
+              <a:buChar char="-"/>
+            </a:pPr>
+            <a:r>
+              <a:rPr lang="ru-RU" dirty="0"/>
+              <a:t>Оценка местности для ВЭС с точки зрения ветровых ресурсов (анализ исторических данных)</a:t>
+            </a:r>
+          </a:p>
+          <a:p>
+            <a:pPr marL="285750" indent="-285750">
+              <a:buFontTx/>
+              <a:buChar char="-"/>
+            </a:pPr>
+            <a:r>
+              <a:rPr lang="ru-RU" dirty="0"/>
+              <a:t>Время накопления энергии (суточное)</a:t>
+            </a:r>
+          </a:p>
+          <a:p>
+            <a:pPr marL="285750" indent="-285750">
+              <a:buFontTx/>
+              <a:buChar char="-"/>
+            </a:pPr>
+            <a:r>
+              <a:rPr lang="ru-RU" dirty="0"/>
+              <a:t>Время расхода накопленной энергии (суточное)</a:t>
+            </a:r>
+          </a:p>
+          <a:p>
+            <a:pPr marL="285750" indent="-285750">
+              <a:buFontTx/>
+              <a:buChar char="-"/>
+            </a:pPr>
+            <a:r>
+              <a:rPr lang="ru-RU" dirty="0"/>
+              <a:t>Оптимальные условия работы ветрянных генераторов, соответствие мощности генераторов имеющимся ресурсам</a:t>
+            </a:r>
+          </a:p>
+          <a:p>
+            <a:pPr marL="285750" indent="-285750">
+              <a:buFontTx/>
+              <a:buChar char="-"/>
+            </a:pPr>
+            <a:r>
+              <a:rPr lang="ru-RU" dirty="0"/>
+              <a:t>Предсказание неблагобриятных условий работы (повышенный ветровой напор) грозящий выходом из строя или разрушением ветрового генератора, частота случаев, сезонность, предельные значения скорости ветра для данной местности</a:t>
+            </a:r>
+          </a:p>
+          <a:p>
+            <a:pPr marL="285750" indent="-285750">
+              <a:buFontTx/>
+              <a:buChar char="-"/>
+            </a:pPr>
+            <a:r>
+              <a:rPr lang="ru-RU" dirty="0"/>
+              <a:t>Оптимизация энергетического баланса всей сети (генерации/ потребления)</a:t>
+            </a:r>
+          </a:p>
+          <a:p>
+            <a:pPr marL="285750" indent="-285750">
+              <a:buFontTx/>
+              <a:buChar char="-"/>
+            </a:pPr>
+            <a:r>
+              <a:rPr lang="ru-RU" dirty="0"/>
+              <a:t>Снижение выборосов парниковых газов имеющимися электростанциями работающими на ископаемом топливе (газ, нефть, уголь и пр.) (привет грете)</a:t>
+            </a:r>
+          </a:p>
+          <a:p>
+            <a:pPr marL="285750" indent="-285750">
+              <a:buFontTx/>
+              <a:buChar char="-"/>
+            </a:pPr>
+            <a:r>
+              <a:rPr lang="ru-RU" dirty="0"/>
+              <a:t>Снижение затрат на прокладку газо-/ нефтепроводов, доставку прочих энергоносителей (минус ржд, гп, рн, гпн, транснефть....)</a:t>
+            </a:r>
+          </a:p>
+          <a:p>
+            <a:pPr marL="285750" indent="-285750">
+              <a:buFontTx/>
+              <a:buChar char="-"/>
+            </a:pPr>
+            <a:r>
+              <a:rPr lang="ru-RU" dirty="0"/>
+              <a:t>Привлечение дополнительных источников энергии для компенсации потери мощности ВЭС</a:t>
+            </a:r>
+          </a:p>
+        </p:txBody>
+      </p:sp>
+    </p:spTree>
+    <p:extLst>
+      <p:ext uri="{BB962C8B-B14F-4D97-AF65-F5344CB8AC3E}">
+        <p14:creationId xmlns:p14="http://schemas.microsoft.com/office/powerpoint/2010/main" val="3814754787"/>
+      </p:ext>
+    </p:extLst>
+  </p:cSld>
+  <p:clrMapOvr>
+    <a:masterClrMapping/>
+  </p:clrMapOvr>
+</p:sld>
+</file>
+
+<file path=ppt/slides/slide3.xml><?xml version="1.0" encoding="utf-8"?>
+<p:sld xmlns:a="http://schemas.openxmlformats.org/drawingml/2006/main" xmlns:r="http://schemas.openxmlformats.org/officeDocument/2006/relationships" xmlns:p="http://schemas.openxmlformats.org/presentationml/2006/main">
+  <p:cSld>
+    <p:spTree>
+      <p:nvGrpSpPr>
+        <p:cNvPr id="1" name=""/>
+        <p:cNvGrpSpPr/>
+        <p:nvPr/>
+      </p:nvGrpSpPr>
+      <p:grpSpPr>
+        <a:xfrm>
+          <a:off x="0" y="0"/>
+          <a:ext cx="0" cy="0"/>
+          <a:chOff x="0" y="0"/>
+          <a:chExt cx="0" cy="0"/>
+        </a:xfrm>
+      </p:grpSpPr>
+      <p:sp>
+        <p:nvSpPr>
+          <p:cNvPr id="2" name="TextBox 1">
+            <a:extLst>
+              <a:ext uri="{FF2B5EF4-FFF2-40B4-BE49-F238E27FC236}">
+                <a16:creationId xmlns:a16="http://schemas.microsoft.com/office/drawing/2014/main" id="{18F339BB-F0B2-47CB-ABCE-2137AC641834}"/>
+              </a:ext>
+            </a:extLst>
+          </p:cNvPr>
+          <p:cNvSpPr txBox="1"/>
+          <p:nvPr/>
+        </p:nvSpPr>
+        <p:spPr>
+          <a:xfrm>
+            <a:off x="861270" y="394692"/>
+            <a:ext cx="10469459" cy="6463308"/>
+          </a:xfrm>
+          <a:prstGeom prst="rect">
+            <a:avLst/>
+          </a:prstGeom>
+          <a:noFill/>
+        </p:spPr>
+        <p:txBody>
+          <a:bodyPr wrap="square" rtlCol="0">
+            <a:spAutoFit/>
+          </a:bodyPr>
+          <a:lstStyle/>
+          <a:p>
+            <a:r>
+              <a:rPr lang="ru-RU" dirty="0"/>
+              <a:t>Решение:</a:t>
+            </a:r>
+          </a:p>
+          <a:p>
+            <a:endParaRPr lang="ru-RU" dirty="0"/>
+          </a:p>
+          <a:p>
+            <a:pPr marL="285750" indent="-285750">
+              <a:buFontTx/>
+              <a:buChar char="-"/>
+            </a:pPr>
+            <a:r>
+              <a:rPr lang="ru-RU" dirty="0"/>
+              <a:t>Сбор данных с сайтов погоды (OpenWeather</a:t>
+            </a:r>
+            <a:r>
+              <a:rPr lang="en-US" dirty="0"/>
+              <a:t>, AccuWeather, Weather, RP5, avia </a:t>
+            </a:r>
+            <a:r>
+              <a:rPr lang="en-US" dirty="0" err="1"/>
+              <a:t>meteo</a:t>
+            </a:r>
+            <a:r>
+              <a:rPr lang="ru-RU" dirty="0"/>
+              <a:t>, яндекс погода</a:t>
+            </a:r>
+            <a:r>
+              <a:rPr lang="en-US" dirty="0"/>
+              <a:t>)</a:t>
+            </a:r>
+          </a:p>
+          <a:p>
+            <a:pPr marL="285750" indent="-285750">
+              <a:buFontTx/>
+              <a:buChar char="-"/>
+            </a:pPr>
+            <a:r>
+              <a:rPr lang="ru-RU" dirty="0"/>
+              <a:t>Создание «усредненной» погоды на/ для подопытной местности </a:t>
+            </a:r>
+          </a:p>
+          <a:p>
+            <a:pPr marL="285750" indent="-285750">
+              <a:buFontTx/>
+              <a:buChar char="-"/>
+            </a:pPr>
+            <a:r>
+              <a:rPr lang="ru-RU" dirty="0"/>
+              <a:t>Потребные данные: температура, давление, скорость и направление ветра (пока этот пункт под вопросом), для прибрежных районов температура воды водоема (так же под вопросом)</a:t>
+            </a:r>
+          </a:p>
+          <a:p>
+            <a:pPr marL="285750" indent="-285750">
+              <a:buFontTx/>
+              <a:buChar char="-"/>
+            </a:pPr>
+            <a:r>
+              <a:rPr lang="ru-RU" dirty="0"/>
+              <a:t>Выходные данные, целевые – скорость ветра (с достоверным временным интервалом)</a:t>
+            </a:r>
+          </a:p>
+          <a:p>
+            <a:pPr marL="285750" indent="-285750">
+              <a:buFontTx/>
+              <a:buChar char="-"/>
+            </a:pPr>
+            <a:r>
+              <a:rPr lang="ru-RU" dirty="0"/>
+              <a:t>Выходные данные, «побочные»  - энергетический (ветровой) ресурс местности </a:t>
+            </a:r>
+          </a:p>
+          <a:p>
+            <a:pPr marL="285750" indent="-285750">
+              <a:buFontTx/>
+              <a:buChar char="-"/>
+            </a:pPr>
+            <a:r>
+              <a:rPr lang="ru-RU" dirty="0"/>
+              <a:t>На основе истрических данных слепить «предсказатель», т.к. человеки сами не особо в ветер, необходимо обучение «предсказателя» без учителя, отсюда имеем как минимум пару вариантов, регрессия и нейроннка.</a:t>
+            </a:r>
+          </a:p>
+          <a:p>
+            <a:pPr marL="285750" indent="-285750">
+              <a:buFontTx/>
+              <a:buChar char="-"/>
+            </a:pPr>
+            <a:r>
+              <a:rPr lang="ru-RU" dirty="0"/>
+              <a:t>Оценка «глубины» предсказания вперед, достоверность</a:t>
+            </a:r>
+          </a:p>
+          <a:p>
+            <a:pPr marL="285750" indent="-285750">
+              <a:buFontTx/>
+              <a:buChar char="-"/>
+            </a:pPr>
+            <a:endParaRPr lang="ru-RU" dirty="0"/>
+          </a:p>
+          <a:p>
+            <a:pPr marL="285750" indent="-285750">
+              <a:buFontTx/>
+              <a:buChar char="-"/>
+            </a:pPr>
+            <a:r>
+              <a:rPr lang="ru-RU" dirty="0"/>
+              <a:t>Как «побочное» решение, данные для спасателей и пажарных, при тушении пожаров – знание направления и силы ветра позволит определить оптимальные направления борьбы с огнем, планирование ресурсов для тушения; спасение оторванных рыбаков с оторванных льдин, направление и скорость сноса – постоянная, ежегодная головная боль МЧС в прибрежных районах. Так же, всякого рода оптимальное время проведения соревнований или представлений, операющихся, в прямм смысле, на ветер, винд-серфинг, кайтинг, пара- и просто планеризм, парусный спорт.</a:t>
+            </a:r>
+          </a:p>
+          <a:p>
+            <a:endParaRPr lang="ru-RU" dirty="0"/>
+          </a:p>
+          <a:p>
+            <a:pPr marL="285750" indent="-285750">
+              <a:buFontTx/>
+              <a:buChar char="-"/>
+            </a:pPr>
+            <a:endParaRPr lang="ru-RU" dirty="0"/>
+          </a:p>
+          <a:p>
+            <a:pPr marL="285750" indent="-285750">
+              <a:buFontTx/>
+              <a:buChar char="-"/>
+            </a:pPr>
+            <a:endParaRPr lang="ru-RU" dirty="0"/>
+          </a:p>
+        </p:txBody>
+      </p:sp>
+    </p:spTree>
+    <p:extLst>
+      <p:ext uri="{BB962C8B-B14F-4D97-AF65-F5344CB8AC3E}">
+        <p14:creationId xmlns:p14="http://schemas.microsoft.com/office/powerpoint/2010/main" val="4264830391"/>
+      </p:ext>
+    </p:extLst>
+  </p:cSld>
+  <p:clrMapOvr>
+    <a:masterClrMapping/>
+  </p:clrMapOvr>
+</p:sld>
+</file>
+
+<file path=ppt/slides/slide4.xml><?xml version="1.0" encoding="utf-8"?>
+<p:sld xmlns:a="http://schemas.openxmlformats.org/drawingml/2006/main" xmlns:r="http://schemas.openxmlformats.org/officeDocument/2006/relationships" xmlns:p="http://schemas.openxmlformats.org/presentationml/2006/main">
+  <p:cSld>
+    <p:spTree>
+      <p:nvGrpSpPr>
+        <p:cNvPr id="1" name=""/>
+        <p:cNvGrpSpPr/>
+        <p:nvPr/>
+      </p:nvGrpSpPr>
+      <p:grpSpPr>
+        <a:xfrm>
+          <a:off x="0" y="0"/>
+          <a:ext cx="0" cy="0"/>
+          <a:chOff x="0" y="0"/>
+          <a:chExt cx="0" cy="0"/>
+        </a:xfrm>
+      </p:grpSpPr>
+      <p:sp>
+        <p:nvSpPr>
+          <p:cNvPr id="2" name="TextBox 1">
+            <a:extLst>
+              <a:ext uri="{FF2B5EF4-FFF2-40B4-BE49-F238E27FC236}">
+                <a16:creationId xmlns:a16="http://schemas.microsoft.com/office/drawing/2014/main" id="{0DB191DC-0F89-4381-AABD-7C41BB54CF03}"/>
+              </a:ext>
+            </a:extLst>
+          </p:cNvPr>
+          <p:cNvSpPr txBox="1"/>
+          <p:nvPr/>
+        </p:nvSpPr>
+        <p:spPr>
+          <a:xfrm>
+            <a:off x="878048" y="620784"/>
+            <a:ext cx="10435904" cy="3139321"/>
+          </a:xfrm>
+          <a:prstGeom prst="rect">
+            <a:avLst/>
+          </a:prstGeom>
+          <a:noFill/>
+        </p:spPr>
+        <p:txBody>
+          <a:bodyPr wrap="square" rtlCol="0">
+            <a:spAutoFit/>
+          </a:bodyPr>
+          <a:lstStyle/>
+          <a:p>
+            <a:r>
+              <a:rPr lang="ru-RU" dirty="0"/>
+              <a:t>После обучения модели на исторических данных, необходимо будет организовать систему получения данных с метеостанций, установленных на генераторах.</a:t>
+            </a:r>
+          </a:p>
+          <a:p>
+            <a:r>
+              <a:rPr lang="ru-RU" dirty="0"/>
+              <a:t>Далее, использовать эти данные по приведенному выше алгоритму (с заменой исторических данных на реальные)</a:t>
+            </a:r>
+          </a:p>
+          <a:p>
+            <a:endParaRPr lang="ru-RU" dirty="0"/>
+          </a:p>
+          <a:p>
+            <a:r>
+              <a:rPr lang="ru-RU" dirty="0"/>
+              <a:t>Здесь возможно расхождение в наблюдаемых в реальном времени результатах, связанное с высотой установки метеостанций для сайтов с погодой и метеостанций, установленных на ветрогенераторах, связанное с расслоением ветра по высоте. </a:t>
+            </a:r>
+            <a:endParaRPr lang="en-US" dirty="0"/>
+          </a:p>
+          <a:p>
+            <a:endParaRPr lang="en-US" dirty="0"/>
+          </a:p>
+          <a:p>
+            <a:r>
+              <a:rPr lang="ru-RU" dirty="0"/>
+              <a:t>Улучшайзинг</a:t>
+            </a:r>
+          </a:p>
+          <a:p>
+            <a:r>
+              <a:rPr lang="ru-RU" dirty="0"/>
+              <a:t>Представление в виде движущихся картинок на фоне карты подопытной местности</a:t>
+            </a:r>
+          </a:p>
+        </p:txBody>
+      </p:sp>
+    </p:spTree>
+    <p:extLst>
+      <p:ext uri="{BB962C8B-B14F-4D97-AF65-F5344CB8AC3E}">
+        <p14:creationId xmlns:p14="http://schemas.microsoft.com/office/powerpoint/2010/main" val="2472368379"/>
+      </p:ext>
+    </p:extLst>
+  </p:cSld>
+  <p:clrMapOvr>
+    <a:masterClrMapping/>
+  </p:clrMapOvr>
+</p:sld>
+</file>
+
+<file path=ppt/slides/slide5.xml><?xml version="1.0" encoding="utf-8"?>
+<p:sld xmlns:a="http://schemas.openxmlformats.org/drawingml/2006/main" xmlns:r="http://schemas.openxmlformats.org/officeDocument/2006/relationships" xmlns:p="http://schemas.openxmlformats.org/presentationml/2006/main">
+  <p:cSld>
+    <p:spTree>
+      <p:nvGrpSpPr>
+        <p:cNvPr id="1" name=""/>
+        <p:cNvGrpSpPr/>
+        <p:nvPr/>
+      </p:nvGrpSpPr>
+      <p:grpSpPr>
+        <a:xfrm>
+          <a:off x="0" y="0"/>
+          <a:ext cx="0" cy="0"/>
+          <a:chOff x="0" y="0"/>
+          <a:chExt cx="0" cy="0"/>
+        </a:xfrm>
+      </p:grpSpPr>
+      <p:sp>
+        <p:nvSpPr>
+          <p:cNvPr id="2" name="TextBox 1">
+            <a:extLst>
+              <a:ext uri="{FF2B5EF4-FFF2-40B4-BE49-F238E27FC236}">
+                <a16:creationId xmlns:a16="http://schemas.microsoft.com/office/drawing/2014/main" id="{29CC76B2-365A-4FB8-9AB3-0FD5E7ECB9F4}"/>
+              </a:ext>
+            </a:extLst>
+          </p:cNvPr>
+          <p:cNvSpPr txBox="1"/>
+          <p:nvPr/>
+        </p:nvSpPr>
+        <p:spPr>
+          <a:xfrm>
+            <a:off x="729843" y="478171"/>
+            <a:ext cx="10863742" cy="5355312"/>
+          </a:xfrm>
+          <a:prstGeom prst="rect">
+            <a:avLst/>
+          </a:prstGeom>
+          <a:noFill/>
+        </p:spPr>
+        <p:txBody>
+          <a:bodyPr wrap="square" rtlCol="0">
+            <a:spAutoFit/>
+          </a:bodyPr>
+          <a:lstStyle/>
+          <a:p>
+            <a:r>
+              <a:rPr lang="ru-RU" dirty="0"/>
+              <a:t>Пример для подражания:</a:t>
+            </a:r>
+          </a:p>
+          <a:p>
+            <a:endParaRPr lang="ru-RU" dirty="0"/>
+          </a:p>
+          <a:p>
+            <a:endParaRPr lang="ru-RU" dirty="0"/>
+          </a:p>
+          <a:p>
+            <a:r>
+              <a:rPr lang="en-US" dirty="0"/>
+              <a:t>Google </a:t>
+            </a:r>
+            <a:r>
+              <a:rPr lang="ru-RU" dirty="0"/>
+              <a:t>(</a:t>
+            </a:r>
+            <a:r>
+              <a:rPr lang="en-US" dirty="0"/>
+              <a:t>DeepMind</a:t>
+            </a:r>
+            <a:r>
+              <a:rPr lang="ru-RU" dirty="0"/>
+              <a:t>)</a:t>
+            </a:r>
+            <a:r>
+              <a:rPr lang="en-US" dirty="0"/>
+              <a:t>.</a:t>
+            </a:r>
+            <a:r>
+              <a:rPr lang="ru-RU" dirty="0"/>
+              <a:t> С помощью алгоритма предсказания скорости ветра, было оптимизировано использование ВЭС мощностью 700 МВт на 20 % (по оценке </a:t>
+            </a:r>
+            <a:r>
+              <a:rPr lang="en-US" dirty="0"/>
+              <a:t>Google)</a:t>
+            </a:r>
+          </a:p>
+          <a:p>
+            <a:r>
+              <a:rPr lang="ru-RU" dirty="0"/>
+              <a:t>В качестве подопытного, выступал собственный </a:t>
+            </a:r>
+            <a:r>
+              <a:rPr lang="en-US" dirty="0"/>
+              <a:t>wind farm</a:t>
+            </a:r>
+            <a:r>
+              <a:rPr lang="ru-RU" dirty="0"/>
+              <a:t> </a:t>
+            </a:r>
+            <a:r>
+              <a:rPr lang="en-US" dirty="0"/>
+              <a:t>Google.</a:t>
+            </a:r>
+          </a:p>
+          <a:p>
+            <a:endParaRPr lang="ru-RU" dirty="0"/>
+          </a:p>
+          <a:p>
+            <a:endParaRPr lang="ru-RU" dirty="0"/>
+          </a:p>
+          <a:p>
+            <a:r>
+              <a:rPr lang="ru-RU" dirty="0"/>
+              <a:t>Оценка по оценке </a:t>
+            </a:r>
+            <a:r>
+              <a:rPr lang="en-US" dirty="0"/>
+              <a:t>Google:</a:t>
+            </a:r>
+          </a:p>
+          <a:p>
+            <a:endParaRPr lang="en-US" dirty="0"/>
+          </a:p>
+          <a:p>
+            <a:r>
+              <a:rPr lang="ru-RU" dirty="0"/>
+              <a:t>Что такое 140 МВт (или 20 % от 700) – при среднесемейном потреблении 140 кВт (упрощенно) -  только оптимизированной мощностью можно обеспечить порядка 1000 семей, другими словами поселение с населением порядка 3000 человек.</a:t>
+            </a:r>
+            <a:endParaRPr lang="en-US" dirty="0"/>
+          </a:p>
+          <a:p>
+            <a:r>
+              <a:rPr lang="ru-RU" dirty="0"/>
+              <a:t>Если перевести на персональные настольные компьютеры, допустим очень мощьные с потреблением в 1 кВт, </a:t>
+            </a:r>
+            <a:r>
+              <a:rPr lang="ru-RU"/>
+              <a:t>то этой, оптимизированной, </a:t>
+            </a:r>
+            <a:r>
+              <a:rPr lang="ru-RU" dirty="0"/>
+              <a:t>мощности хватит на 140 000 штук, в реальности эта цифра будет ближе к 300 000 машин.</a:t>
+            </a:r>
+          </a:p>
+          <a:p>
+            <a:endParaRPr lang="ru-RU" dirty="0"/>
+          </a:p>
+          <a:p>
+            <a:r>
+              <a:rPr lang="ru-RU" dirty="0"/>
+              <a:t>В РФ это порядка 630 круб каждый час</a:t>
+            </a:r>
+          </a:p>
+          <a:p>
+            <a:r>
+              <a:rPr lang="ru-RU" dirty="0"/>
+              <a:t>В америках порядка </a:t>
+            </a:r>
+            <a:r>
+              <a:rPr lang="en-US" dirty="0"/>
+              <a:t>$18k </a:t>
+            </a:r>
+            <a:r>
+              <a:rPr lang="ru-RU" dirty="0"/>
+              <a:t>за каждый час</a:t>
+            </a:r>
+          </a:p>
+        </p:txBody>
+      </p:sp>
+    </p:spTree>
+    <p:extLst>
+      <p:ext uri="{BB962C8B-B14F-4D97-AF65-F5344CB8AC3E}">
+        <p14:creationId xmlns:p14="http://schemas.microsoft.com/office/powerpoint/2010/main" val="2865210037"/>
       </p:ext>
     </p:extLst>
   </p:cSld>

--- a/FInal_project.pptx
+++ b/FInal_project.pptx
@@ -7,9 +7,11 @@
   <p:sldIdLst>
     <p:sldId id="256" r:id="rId2"/>
     <p:sldId id="257" r:id="rId3"/>
-    <p:sldId id="258" r:id="rId4"/>
-    <p:sldId id="260" r:id="rId5"/>
-    <p:sldId id="259" r:id="rId6"/>
+    <p:sldId id="261" r:id="rId4"/>
+    <p:sldId id="262" r:id="rId5"/>
+    <p:sldId id="258" r:id="rId6"/>
+    <p:sldId id="260" r:id="rId7"/>
+    <p:sldId id="259" r:id="rId8"/>
   </p:sldIdLst>
   <p:sldSz cx="12192000" cy="6858000"/>
   <p:notesSz cx="6858000" cy="9144000"/>
@@ -3402,13 +3404,13 @@
         </p:nvSpPr>
         <p:spPr>
           <a:xfrm>
-            <a:off x="1524000" y="3429000"/>
-            <a:ext cx="9144000" cy="673218"/>
+            <a:off x="1523999" y="2851951"/>
+            <a:ext cx="9144000" cy="1684880"/>
           </a:xfrm>
         </p:spPr>
         <p:txBody>
           <a:bodyPr>
-            <a:normAutofit fontScale="85000" lnSpcReduction="20000"/>
+            <a:normAutofit/>
           </a:bodyPr>
           <a:lstStyle/>
           <a:p>
@@ -3420,7 +3422,13 @@
           <a:p>
             <a:r>
               <a:rPr lang="ru-RU" dirty="0"/>
-              <a:t>ветряных электростанций</a:t>
+              <a:t>ВЭС</a:t>
+            </a:r>
+          </a:p>
+          <a:p>
+            <a:r>
+              <a:rPr lang="ru-RU" dirty="0"/>
+              <a:t>(ветряных электростанций)</a:t>
             </a:r>
           </a:p>
           <a:p>
@@ -3691,7 +3699,7 @@
           <p:cNvPr id="2" name="TextBox 1">
             <a:extLst>
               <a:ext uri="{FF2B5EF4-FFF2-40B4-BE49-F238E27FC236}">
-                <a16:creationId xmlns:a16="http://schemas.microsoft.com/office/drawing/2014/main" id="{18F339BB-F0B2-47CB-ABCE-2137AC641834}"/>
+                <a16:creationId xmlns:a16="http://schemas.microsoft.com/office/drawing/2014/main" id="{EFBF4F42-C589-4232-9FE8-3521CE84E3A7}"/>
               </a:ext>
             </a:extLst>
           </p:cNvPr>
@@ -3700,8 +3708,8 @@
         </p:nvSpPr>
         <p:spPr>
           <a:xfrm>
-            <a:off x="861270" y="394692"/>
-            <a:ext cx="10469459" cy="6463308"/>
+            <a:off x="633047" y="474784"/>
+            <a:ext cx="11289323" cy="5909310"/>
           </a:xfrm>
           <a:prstGeom prst="rect">
             <a:avLst/>
@@ -3716,11 +3724,73 @@
           <a:p>
             <a:r>
               <a:rPr lang="ru-RU" dirty="0"/>
-              <a:t>Решение:</a:t>
+              <a:t>Мощность ветрогенератора зависит от мощности воздушного потока </a:t>
+            </a:r>
+            <a:r>
+              <a:rPr lang="en-US" dirty="0"/>
+              <a:t>N</a:t>
+            </a:r>
+            <a:r>
+              <a:rPr lang="ru-RU" dirty="0"/>
+              <a:t>, который в свою очередь зависит от скорости ветра </a:t>
+            </a:r>
+            <a:r>
+              <a:rPr lang="en-US" dirty="0"/>
+              <a:t>V</a:t>
+            </a:r>
+            <a:r>
+              <a:rPr lang="ru-RU" dirty="0"/>
+              <a:t>, площади ометаемой винтом </a:t>
+            </a:r>
+            <a:r>
+              <a:rPr lang="en-US" dirty="0"/>
+              <a:t>S</a:t>
+            </a:r>
+            <a:r>
+              <a:rPr lang="ru-RU" dirty="0"/>
+              <a:t> и плотности воздуха ρ</a:t>
             </a:r>
           </a:p>
           <a:p>
             <a:endParaRPr lang="ru-RU" dirty="0"/>
+          </a:p>
+          <a:p>
+            <a:pPr algn="ctr"/>
+            <a:r>
+              <a:rPr lang="en-US" b="1" dirty="0"/>
+              <a:t>N = </a:t>
+            </a:r>
+            <a:r>
+              <a:rPr lang="ru-RU" b="1" dirty="0"/>
+              <a:t>ρ</a:t>
+            </a:r>
+            <a:r>
+              <a:rPr lang="en-US" b="1" dirty="0"/>
+              <a:t> * S * V</a:t>
+            </a:r>
+            <a:r>
+              <a:rPr lang="en-US" b="1" baseline="30000" dirty="0"/>
+              <a:t>3</a:t>
+            </a:r>
+            <a:r>
+              <a:rPr lang="en-US" b="1" dirty="0"/>
+              <a:t> / 2</a:t>
+            </a:r>
+          </a:p>
+          <a:p>
+            <a:endParaRPr lang="en-US" dirty="0"/>
+          </a:p>
+          <a:p>
+            <a:r>
+              <a:rPr lang="ru-RU" dirty="0"/>
+              <a:t>В реальных условиях учитываются следующие коэффициенты:</a:t>
+            </a:r>
+          </a:p>
+          <a:p>
+            <a:r>
+              <a:rPr lang="ru-RU" dirty="0"/>
+              <a:t>-    коэффициент использования энергии ветра, порядка 40 - 45 %, предельное 59.3%</a:t>
+            </a:r>
           </a:p>
           <a:p>
             <a:pPr marL="285750" indent="-285750">
@@ -3729,23 +3799,7 @@
             </a:pPr>
             <a:r>
               <a:rPr lang="ru-RU" dirty="0"/>
-              <a:t>Сбор данных с сайтов погоды (OpenWeather</a:t>
-            </a:r>
-            <a:r>
-              <a:rPr lang="en-US" dirty="0"/>
-              <a:t>, AccuWeather, Weather, RP5, avia </a:t>
-            </a:r>
-            <a:r>
-              <a:rPr lang="en-US" dirty="0" err="1"/>
-              <a:t>meteo</a:t>
-            </a:r>
-            <a:r>
-              <a:rPr lang="ru-RU" dirty="0"/>
-              <a:t>, яндекс погода</a:t>
-            </a:r>
-            <a:r>
-              <a:rPr lang="en-US" dirty="0"/>
-              <a:t>)</a:t>
+              <a:t>КПД редуктора, 90 %, предельное 98 %</a:t>
             </a:r>
           </a:p>
           <a:p>
@@ -3755,57 +3809,7 @@
             </a:pPr>
             <a:r>
               <a:rPr lang="ru-RU" dirty="0"/>
-              <a:t>Создание «усредненной» погоды на/ для подопытной местности </a:t>
-            </a:r>
-          </a:p>
-          <a:p>
-            <a:pPr marL="285750" indent="-285750">
-              <a:buFontTx/>
-              <a:buChar char="-"/>
-            </a:pPr>
-            <a:r>
-              <a:rPr lang="ru-RU" dirty="0"/>
-              <a:t>Потребные данные: температура, давление, скорость и направление ветра (пока этот пункт под вопросом), для прибрежных районов температура воды водоема (так же под вопросом)</a:t>
-            </a:r>
-          </a:p>
-          <a:p>
-            <a:pPr marL="285750" indent="-285750">
-              <a:buFontTx/>
-              <a:buChar char="-"/>
-            </a:pPr>
-            <a:r>
-              <a:rPr lang="ru-RU" dirty="0"/>
-              <a:t>Выходные данные, целевые – скорость ветра (с достоверным временным интервалом)</a:t>
-            </a:r>
-          </a:p>
-          <a:p>
-            <a:pPr marL="285750" indent="-285750">
-              <a:buFontTx/>
-              <a:buChar char="-"/>
-            </a:pPr>
-            <a:r>
-              <a:rPr lang="ru-RU" dirty="0"/>
-              <a:t>Выходные данные, «побочные»  - энергетический (ветровой) ресурс местности </a:t>
-            </a:r>
-          </a:p>
-          <a:p>
-            <a:pPr marL="285750" indent="-285750">
-              <a:buFontTx/>
-              <a:buChar char="-"/>
-            </a:pPr>
-            <a:r>
-              <a:rPr lang="ru-RU" dirty="0"/>
-              <a:t>На основе истрических данных слепить «предсказатель», т.к. человеки сами не особо в ветер, необходимо обучение «предсказателя» без учителя, отсюда имеем как минимум пару вариантов, регрессия и нейроннка.</a:t>
-            </a:r>
-          </a:p>
-          <a:p>
-            <a:pPr marL="285750" indent="-285750">
-              <a:buFontTx/>
-              <a:buChar char="-"/>
-            </a:pPr>
-            <a:r>
-              <a:rPr lang="ru-RU" dirty="0"/>
-              <a:t>Оценка «глубины» предсказания вперед, достоверность</a:t>
+              <a:t>КПД генератора, 80-90 %</a:t>
             </a:r>
           </a:p>
           <a:p>
@@ -3816,38 +3820,35 @@
             <a:endParaRPr lang="ru-RU" dirty="0"/>
           </a:p>
           <a:p>
-            <a:pPr marL="285750" indent="-285750">
-              <a:buFontTx/>
-              <a:buChar char="-"/>
-            </a:pPr>
-            <a:r>
-              <a:rPr lang="ru-RU" dirty="0"/>
-              <a:t>Как «побочное» решение, данные для спасателей и пажарных, при тушении пожаров – знание направления и силы ветра позволит определить оптимальные направления борьбы с огнем, планирование ресурсов для тушения; спасение оторванных рыбаков с оторванных льдин, направление и скорость сноса – постоянная, ежегодная головная боль МЧС в прибрежных районах. Так же, всякого рода оптимальное время проведения соревнований или представлений, операющихся, в прямм смысле, на ветер, винд-серфинг, кайтинг, пара- и просто планеризм, парусный спорт.</a:t>
+            <a:r>
+              <a:rPr lang="ru-RU" dirty="0"/>
+              <a:t>Т.к. зависимость от скорости кубическая, то влияние этого параметра на оптимальную работу ВЭС необходимо оценивать очень аккуратно.</a:t>
             </a:r>
           </a:p>
           <a:p>
             <a:endParaRPr lang="ru-RU" dirty="0"/>
           </a:p>
           <a:p>
-            <a:pPr marL="285750" indent="-285750">
-              <a:buFontTx/>
-              <a:buChar char="-"/>
-            </a:pPr>
+            <a:r>
+              <a:rPr lang="ru-RU" dirty="0"/>
+              <a:t>Недооценка ветрового напора приведет к недополученной мощности, переоценка – к избыточным затрам на установку в завышенными параметрами, которые увеличат сроки окупаемости ВЭС.</a:t>
+            </a:r>
+          </a:p>
+          <a:p>
             <a:endParaRPr lang="ru-RU" dirty="0"/>
           </a:p>
           <a:p>
-            <a:pPr marL="285750" indent="-285750">
-              <a:buFontTx/>
-              <a:buChar char="-"/>
-            </a:pPr>
-            <a:endParaRPr lang="ru-RU" dirty="0"/>
+            <a:r>
+              <a:rPr lang="ru-RU" dirty="0"/>
+              <a:t>Вторым по значимости параметром, является площать ометаемая винтом, зависимость от линейного размера – квадратичная, которая в свою очередь устанавливается разово и так же зависит от скоростного напора на местности, высоты установки генератора и пр. Имеются разного рода ограничения на максимальную высоту ветрогенератора, из-за наличия аэропортов, несущих свойств грунтов, расслоение ветра по высоте – ведет к резкому уменьшению КПД установки. </a:t>
+            </a:r>
           </a:p>
         </p:txBody>
       </p:sp>
     </p:spTree>
     <p:extLst>
       <p:ext uri="{BB962C8B-B14F-4D97-AF65-F5344CB8AC3E}">
-        <p14:creationId xmlns:p14="http://schemas.microsoft.com/office/powerpoint/2010/main" val="4264830391"/>
+        <p14:creationId xmlns:p14="http://schemas.microsoft.com/office/powerpoint/2010/main" val="2292294783"/>
       </p:ext>
     </p:extLst>
   </p:cSld>
@@ -3876,10 +3877,10 @@
       </p:grpSpPr>
       <p:sp>
         <p:nvSpPr>
-          <p:cNvPr id="2" name="TextBox 1">
-            <a:extLst>
-              <a:ext uri="{FF2B5EF4-FFF2-40B4-BE49-F238E27FC236}">
-                <a16:creationId xmlns:a16="http://schemas.microsoft.com/office/drawing/2014/main" id="{0DB191DC-0F89-4381-AABD-7C41BB54CF03}"/>
+          <p:cNvPr id="3" name="TextBox 2">
+            <a:extLst>
+              <a:ext uri="{FF2B5EF4-FFF2-40B4-BE49-F238E27FC236}">
+                <a16:creationId xmlns:a16="http://schemas.microsoft.com/office/drawing/2014/main" id="{D9B61886-FEA7-42CB-960C-8A862043D6B7}"/>
               </a:ext>
             </a:extLst>
           </p:cNvPr>
@@ -3888,8 +3889,8 @@
         </p:nvSpPr>
         <p:spPr>
           <a:xfrm>
-            <a:off x="878048" y="620784"/>
-            <a:ext cx="10435904" cy="3139321"/>
+            <a:off x="334108" y="228599"/>
+            <a:ext cx="11465169" cy="2308324"/>
           </a:xfrm>
           <a:prstGeom prst="rect">
             <a:avLst/>
@@ -3902,48 +3903,38 @@
           </a:bodyPr>
           <a:lstStyle/>
           <a:p>
-            <a:r>
-              <a:rPr lang="ru-RU" dirty="0"/>
-              <a:t>После обучения модели на исторических данных, необходимо будет организовать систему получения данных с метеостанций, установленных на генераторах.</a:t>
-            </a:r>
-          </a:p>
-          <a:p>
-            <a:r>
-              <a:rPr lang="ru-RU" dirty="0"/>
-              <a:t>Далее, использовать эти данные по приведенному выше алгоритму (с заменой исторических данных на реальные)</a:t>
-            </a:r>
-          </a:p>
-          <a:p>
             <a:endParaRPr lang="ru-RU" dirty="0"/>
           </a:p>
           <a:p>
-            <a:r>
-              <a:rPr lang="ru-RU" dirty="0"/>
-              <a:t>Здесь возможно расхождение в наблюдаемых в реальном времени результатах, связанное с высотой установки метеостанций для сайтов с погодой и метеостанций, установленных на ветрогенераторах, связанное с расслоением ветра по высоте. </a:t>
-            </a:r>
-            <a:endParaRPr lang="en-US" dirty="0"/>
-          </a:p>
-          <a:p>
-            <a:endParaRPr lang="en-US" dirty="0"/>
-          </a:p>
-          <a:p>
-            <a:r>
-              <a:rPr lang="ru-RU" dirty="0"/>
-              <a:t>Улучшайзинг</a:t>
-            </a:r>
-          </a:p>
-          <a:p>
-            <a:r>
-              <a:rPr lang="ru-RU" dirty="0"/>
-              <a:t>Представление в виде движущихся картинок на фоне карты подопытной местности</a:t>
-            </a:r>
+            <a:endParaRPr lang="ru-RU" dirty="0"/>
+          </a:p>
+          <a:p>
+            <a:r>
+              <a:rPr lang="ru-RU" dirty="0"/>
+              <a:t>КПД электрогенератора зависит от нагрузки.</a:t>
+            </a:r>
+          </a:p>
+          <a:p>
+            <a:endParaRPr lang="ru-RU" dirty="0"/>
+          </a:p>
+          <a:p>
+            <a:r>
+              <a:rPr lang="ru-RU" dirty="0"/>
+              <a:t>Имея предсказанные данные о будущей ветровой мощности, появляется возможность оперативно подстраивать нагрузку электрогенератора, поддерживая таким образом КПД установки максимально возможным.</a:t>
+            </a:r>
+          </a:p>
+          <a:p>
+            <a:endParaRPr lang="ru-RU" dirty="0"/>
+          </a:p>
+          <a:p>
+            <a:endParaRPr lang="ru-RU" dirty="0"/>
           </a:p>
         </p:txBody>
       </p:sp>
     </p:spTree>
     <p:extLst>
       <p:ext uri="{BB962C8B-B14F-4D97-AF65-F5344CB8AC3E}">
-        <p14:creationId xmlns:p14="http://schemas.microsoft.com/office/powerpoint/2010/main" val="2472368379"/>
+        <p14:creationId xmlns:p14="http://schemas.microsoft.com/office/powerpoint/2010/main" val="2863065788"/>
       </p:ext>
     </p:extLst>
   </p:cSld>
@@ -3975,6 +3966,289 @@
           <p:cNvPr id="2" name="TextBox 1">
             <a:extLst>
               <a:ext uri="{FF2B5EF4-FFF2-40B4-BE49-F238E27FC236}">
+                <a16:creationId xmlns:a16="http://schemas.microsoft.com/office/drawing/2014/main" id="{18F339BB-F0B2-47CB-ABCE-2137AC641834}"/>
+              </a:ext>
+            </a:extLst>
+          </p:cNvPr>
+          <p:cNvSpPr txBox="1"/>
+          <p:nvPr/>
+        </p:nvSpPr>
+        <p:spPr>
+          <a:xfrm>
+            <a:off x="861270" y="394692"/>
+            <a:ext cx="10469459" cy="6740307"/>
+          </a:xfrm>
+          <a:prstGeom prst="rect">
+            <a:avLst/>
+          </a:prstGeom>
+          <a:noFill/>
+        </p:spPr>
+        <p:txBody>
+          <a:bodyPr wrap="square" rtlCol="0">
+            <a:spAutoFit/>
+          </a:bodyPr>
+          <a:lstStyle/>
+          <a:p>
+            <a:r>
+              <a:rPr lang="ru-RU" dirty="0"/>
+              <a:t>Решение:</a:t>
+            </a:r>
+          </a:p>
+          <a:p>
+            <a:endParaRPr lang="ru-RU" dirty="0"/>
+          </a:p>
+          <a:p>
+            <a:pPr marL="285750" indent="-285750">
+              <a:buFontTx/>
+              <a:buChar char="-"/>
+            </a:pPr>
+            <a:r>
+              <a:rPr lang="ru-RU" dirty="0"/>
+              <a:t>Сбор данных с сайтов погоды (OpenWeather</a:t>
+            </a:r>
+            <a:r>
+              <a:rPr lang="en-US" dirty="0"/>
+              <a:t>, AccuWeather, Weather, RP5, avia </a:t>
+            </a:r>
+            <a:r>
+              <a:rPr lang="en-US" dirty="0" err="1"/>
+              <a:t>meteo</a:t>
+            </a:r>
+            <a:r>
+              <a:rPr lang="ru-RU" dirty="0"/>
+              <a:t>, яндекс погода</a:t>
+            </a:r>
+            <a:r>
+              <a:rPr lang="en-US" dirty="0"/>
+              <a:t>)</a:t>
+            </a:r>
+          </a:p>
+          <a:p>
+            <a:pPr marL="285750" indent="-285750">
+              <a:buFontTx/>
+              <a:buChar char="-"/>
+            </a:pPr>
+            <a:r>
+              <a:rPr lang="ru-RU" dirty="0"/>
+              <a:t>Создание «усредненной» погоды на/ для подопытной местности </a:t>
+            </a:r>
+          </a:p>
+          <a:p>
+            <a:pPr marL="285750" indent="-285750">
+              <a:buFontTx/>
+              <a:buChar char="-"/>
+            </a:pPr>
+            <a:r>
+              <a:rPr lang="ru-RU" dirty="0"/>
+              <a:t>Потребные данные: температура, давление, скорость и направление ветра (пока этот пункт под вопросом), для прибрежных районов температура воды водоема (так же под вопросом), влажность (воздух тяжеле, кпд генератора выше прямая зависимость от плотности воздуха)</a:t>
+            </a:r>
+          </a:p>
+          <a:p>
+            <a:pPr marL="285750" indent="-285750">
+              <a:buFontTx/>
+              <a:buChar char="-"/>
+            </a:pPr>
+            <a:r>
+              <a:rPr lang="ru-RU" dirty="0"/>
+              <a:t>Выходные данные, целевые – скорость ветра (с достоверным временным интервалом)</a:t>
+            </a:r>
+          </a:p>
+          <a:p>
+            <a:pPr marL="285750" indent="-285750">
+              <a:buFontTx/>
+              <a:buChar char="-"/>
+            </a:pPr>
+            <a:r>
+              <a:rPr lang="ru-RU" dirty="0"/>
+              <a:t>Выходные данные, «побочные»  - энергетический (ветровой) ресурс местности </a:t>
+            </a:r>
+          </a:p>
+          <a:p>
+            <a:pPr marL="285750" indent="-285750">
+              <a:buFontTx/>
+              <a:buChar char="-"/>
+            </a:pPr>
+            <a:r>
+              <a:rPr lang="ru-RU" dirty="0"/>
+              <a:t>На основе истрических данных слепить «предсказатель», т.к. человеки сами не особо в ветер, необходимо обучение «предсказателя» без учителя, отсюда имеем как минимум пару вариантов, регрессия и нейроннка.</a:t>
+            </a:r>
+          </a:p>
+          <a:p>
+            <a:pPr marL="285750" indent="-285750">
+              <a:buFontTx/>
+              <a:buChar char="-"/>
+            </a:pPr>
+            <a:r>
+              <a:rPr lang="ru-RU" dirty="0"/>
+              <a:t>Оценка «глубины» предсказания вперед, достоверность</a:t>
+            </a:r>
+          </a:p>
+          <a:p>
+            <a:pPr marL="285750" indent="-285750">
+              <a:buFontTx/>
+              <a:buChar char="-"/>
+            </a:pPr>
+            <a:endParaRPr lang="ru-RU" dirty="0"/>
+          </a:p>
+          <a:p>
+            <a:pPr marL="285750" indent="-285750">
+              <a:buFontTx/>
+              <a:buChar char="-"/>
+            </a:pPr>
+            <a:r>
+              <a:rPr lang="ru-RU" dirty="0"/>
+              <a:t>Как «побочное» решение, данные для спасателей и пажарных, при тушении пожаров – знание направления и силы ветра позволит определить оптимальные направления борьбы с огнем, планирование ресурсов для тушения; спасение оторванных рыбаков с оторванных льдин, направление и скорость сноса – постоянная, ежегодная головная боль МЧС в прибрежных районах. Так же, всякого рода оптимальное время проведения соревнований или представлений, операющихся, в прямм смысле, на ветер, винд-серфинг, кайтинг, пара- и просто планеризм, парусный спорт.</a:t>
+            </a:r>
+          </a:p>
+          <a:p>
+            <a:endParaRPr lang="ru-RU" dirty="0"/>
+          </a:p>
+          <a:p>
+            <a:pPr marL="285750" indent="-285750">
+              <a:buFontTx/>
+              <a:buChar char="-"/>
+            </a:pPr>
+            <a:endParaRPr lang="ru-RU" dirty="0"/>
+          </a:p>
+          <a:p>
+            <a:pPr marL="285750" indent="-285750">
+              <a:buFontTx/>
+              <a:buChar char="-"/>
+            </a:pPr>
+            <a:endParaRPr lang="ru-RU" dirty="0"/>
+          </a:p>
+        </p:txBody>
+      </p:sp>
+    </p:spTree>
+    <p:extLst>
+      <p:ext uri="{BB962C8B-B14F-4D97-AF65-F5344CB8AC3E}">
+        <p14:creationId xmlns:p14="http://schemas.microsoft.com/office/powerpoint/2010/main" val="4264830391"/>
+      </p:ext>
+    </p:extLst>
+  </p:cSld>
+  <p:clrMapOvr>
+    <a:masterClrMapping/>
+  </p:clrMapOvr>
+</p:sld>
+</file>
+
+<file path=ppt/slides/slide6.xml><?xml version="1.0" encoding="utf-8"?>
+<p:sld xmlns:a="http://schemas.openxmlformats.org/drawingml/2006/main" xmlns:r="http://schemas.openxmlformats.org/officeDocument/2006/relationships" xmlns:p="http://schemas.openxmlformats.org/presentationml/2006/main">
+  <p:cSld>
+    <p:spTree>
+      <p:nvGrpSpPr>
+        <p:cNvPr id="1" name=""/>
+        <p:cNvGrpSpPr/>
+        <p:nvPr/>
+      </p:nvGrpSpPr>
+      <p:grpSpPr>
+        <a:xfrm>
+          <a:off x="0" y="0"/>
+          <a:ext cx="0" cy="0"/>
+          <a:chOff x="0" y="0"/>
+          <a:chExt cx="0" cy="0"/>
+        </a:xfrm>
+      </p:grpSpPr>
+      <p:sp>
+        <p:nvSpPr>
+          <p:cNvPr id="2" name="TextBox 1">
+            <a:extLst>
+              <a:ext uri="{FF2B5EF4-FFF2-40B4-BE49-F238E27FC236}">
+                <a16:creationId xmlns:a16="http://schemas.microsoft.com/office/drawing/2014/main" id="{0DB191DC-0F89-4381-AABD-7C41BB54CF03}"/>
+              </a:ext>
+            </a:extLst>
+          </p:cNvPr>
+          <p:cNvSpPr txBox="1"/>
+          <p:nvPr/>
+        </p:nvSpPr>
+        <p:spPr>
+          <a:xfrm>
+            <a:off x="878048" y="620784"/>
+            <a:ext cx="10435904" cy="3139321"/>
+          </a:xfrm>
+          <a:prstGeom prst="rect">
+            <a:avLst/>
+          </a:prstGeom>
+          <a:noFill/>
+        </p:spPr>
+        <p:txBody>
+          <a:bodyPr wrap="square" rtlCol="0">
+            <a:spAutoFit/>
+          </a:bodyPr>
+          <a:lstStyle/>
+          <a:p>
+            <a:r>
+              <a:rPr lang="ru-RU" dirty="0"/>
+              <a:t>После обучения модели на исторических данных, необходимо будет организовать систему получения данных с метеостанций, установленных на генераторах.</a:t>
+            </a:r>
+          </a:p>
+          <a:p>
+            <a:r>
+              <a:rPr lang="ru-RU" dirty="0"/>
+              <a:t>Далее, использовать эти данные по приведенному выше алгоритму (с заменой исторических данных на реальные)</a:t>
+            </a:r>
+          </a:p>
+          <a:p>
+            <a:endParaRPr lang="ru-RU" dirty="0"/>
+          </a:p>
+          <a:p>
+            <a:r>
+              <a:rPr lang="ru-RU" dirty="0"/>
+              <a:t>Здесь возможно расхождение в наблюдаемых в реальном времени результатах, связанное с высотой установки метеостанций для сайтов с погодой и метеостанций, установленных на ветрогенераторах, связанное с расслоением ветра по высоте. </a:t>
+            </a:r>
+          </a:p>
+          <a:p>
+            <a:endParaRPr lang="en-US" dirty="0"/>
+          </a:p>
+          <a:p>
+            <a:r>
+              <a:rPr lang="ru-RU" dirty="0"/>
+              <a:t>Улучшайзинг</a:t>
+            </a:r>
+          </a:p>
+          <a:p>
+            <a:r>
+              <a:rPr lang="ru-RU" dirty="0"/>
+              <a:t>Представление в виде движущихся картинок на фоне карты подопытной местности</a:t>
+            </a:r>
+          </a:p>
+        </p:txBody>
+      </p:sp>
+    </p:spTree>
+    <p:extLst>
+      <p:ext uri="{BB962C8B-B14F-4D97-AF65-F5344CB8AC3E}">
+        <p14:creationId xmlns:p14="http://schemas.microsoft.com/office/powerpoint/2010/main" val="2472368379"/>
+      </p:ext>
+    </p:extLst>
+  </p:cSld>
+  <p:clrMapOvr>
+    <a:masterClrMapping/>
+  </p:clrMapOvr>
+</p:sld>
+</file>
+
+<file path=ppt/slides/slide7.xml><?xml version="1.0" encoding="utf-8"?>
+<p:sld xmlns:a="http://schemas.openxmlformats.org/drawingml/2006/main" xmlns:r="http://schemas.openxmlformats.org/officeDocument/2006/relationships" xmlns:p="http://schemas.openxmlformats.org/presentationml/2006/main">
+  <p:cSld>
+    <p:spTree>
+      <p:nvGrpSpPr>
+        <p:cNvPr id="1" name=""/>
+        <p:cNvGrpSpPr/>
+        <p:nvPr/>
+      </p:nvGrpSpPr>
+      <p:grpSpPr>
+        <a:xfrm>
+          <a:off x="0" y="0"/>
+          <a:ext cx="0" cy="0"/>
+          <a:chOff x="0" y="0"/>
+          <a:chExt cx="0" cy="0"/>
+        </a:xfrm>
+      </p:grpSpPr>
+      <p:sp>
+        <p:nvSpPr>
+          <p:cNvPr id="2" name="TextBox 1">
+            <a:extLst>
+              <a:ext uri="{FF2B5EF4-FFF2-40B4-BE49-F238E27FC236}">
                 <a16:creationId xmlns:a16="http://schemas.microsoft.com/office/drawing/2014/main" id="{29CC76B2-365A-4FB8-9AB3-0FD5E7ECB9F4}"/>
               </a:ext>
             </a:extLst>
@@ -4086,15 +4360,7 @@
           <a:p>
             <a:r>
               <a:rPr lang="ru-RU" dirty="0"/>
-              <a:t>Если перевести на персональные настольные компьютеры, допустим очень мощьные с потреблением в 1 кВт, </a:t>
-            </a:r>
-            <a:r>
-              <a:rPr lang="ru-RU"/>
-              <a:t>то этой, оптимизированной, </a:t>
-            </a:r>
-            <a:r>
-              <a:rPr lang="ru-RU" dirty="0"/>
-              <a:t>мощности хватит на 140 000 штук, в реальности эта цифра будет ближе к 300 000 машин.</a:t>
+              <a:t>Если перевести на персональные настольные компьютеры, допустим очень мощьные с потреблением в 1 кВт, то этой, оптимизированной, мощности хватит на 140 000 штук, в реальности эта цифра будет ближе к 300 000 машин.</a:t>
             </a:r>
           </a:p>
           <a:p>

--- a/FInal_project.pptx
+++ b/FInal_project.pptx
@@ -3639,7 +3639,7 @@
             </a:pPr>
             <a:r>
               <a:rPr lang="ru-RU" dirty="0"/>
-              <a:t>Снижение выборосов парниковых газов имеющимися электростанциями работающими на ископаемом топливе (газ, нефть, уголь и пр.) (привет грете)</a:t>
+              <a:t>Снижение выборосов парниковых газов имеющимися электростанциями работающими на ископаемом топливе (газ, нефть, уголь и пр.), полное отсутствие сырья и отходов (привет грете)</a:t>
             </a:r>
           </a:p>
           <a:p>
@@ -3740,7 +3740,7 @@
             </a:r>
             <a:r>
               <a:rPr lang="ru-RU" dirty="0"/>
-              <a:t>, площади ометаемой винтом </a:t>
+              <a:t>, площади ометаемой ротором </a:t>
             </a:r>
             <a:r>
               <a:rPr lang="en-US" dirty="0"/>
@@ -3840,7 +3840,7 @@
           <a:p>
             <a:r>
               <a:rPr lang="ru-RU" dirty="0"/>
-              <a:t>Вторым по значимости параметром, является площать ометаемая винтом, зависимость от линейного размера – квадратичная, которая в свою очередь устанавливается разово и так же зависит от скоростного напора на местности, высоты установки генератора и пр. Имеются разного рода ограничения на максимальную высоту ветрогенератора, из-за наличия аэропортов, несущих свойств грунтов, расслоение ветра по высоте – ведет к резкому уменьшению КПД установки. </a:t>
+              <a:t>Вторым по значимости параметром, является площать ометаемая ротором, зависимость от линейного размера – квадратичная, которая в свою очередь устанавливается разово и так же зависит от скоростного напора на местности, высоты установки генератора и пр. Имеются разного рода ограничения на максимальную высоту ветрогенератора, из-за наличия аэропортов, несущих свойств грунтов, расслоение ветра по высоте – ведет к резкому уменьшению КПД установки. </a:t>
             </a:r>
           </a:p>
         </p:txBody>
@@ -3976,7 +3976,7 @@
         <p:spPr>
           <a:xfrm>
             <a:off x="861270" y="394692"/>
-            <a:ext cx="10469459" cy="6740307"/>
+            <a:ext cx="10469459" cy="6186309"/>
           </a:xfrm>
           <a:prstGeom prst="rect">
             <a:avLst/>
@@ -4040,7 +4040,7 @@
             </a:pPr>
             <a:r>
               <a:rPr lang="ru-RU" dirty="0"/>
-              <a:t>Потребные данные: температура, давление, скорость и направление ветра (пока этот пункт под вопросом), для прибрежных районов температура воды водоема (так же под вопросом), влажность (воздух тяжеле, кпд генератора выше прямая зависимость от плотности воздуха)</a:t>
+              <a:t>Потребные данные: температура, давление, скорость и направление ветра (пока этот пункт под вопросом), для прибрежных районов температура воды водоема (так же под вопросом), влажность (воздух тяжеле/плотнее, кпд генератора выше прямая зависимость от плотности воздуха)</a:t>
             </a:r>
           </a:p>
           <a:p>
@@ -4070,7 +4070,7 @@
             </a:pPr>
             <a:r>
               <a:rPr lang="ru-RU" dirty="0"/>
-              <a:t>На основе истрических данных слепить «предсказатель», т.к. человеки сами не особо в ветер, необходимо обучение «предсказателя» без учителя, отсюда имеем как минимум пару вариантов, регрессия и нейроннка.</a:t>
+              <a:t>На основе истрических данных слепить «предсказатель», т.к. человеки сами не особо в ветер, необходимо обучение «предсказателя» без учителя, отсюда имеем как минимум пару вариантов, регрессия и нейронка.</a:t>
             </a:r>
           </a:p>
           <a:p>
@@ -4099,16 +4099,6 @@
               <a:rPr lang="ru-RU" dirty="0"/>
               <a:t>Как «побочное» решение, данные для спасателей и пажарных, при тушении пожаров – знание направления и силы ветра позволит определить оптимальные направления борьбы с огнем, планирование ресурсов для тушения; спасение оторванных рыбаков с оторванных льдин, направление и скорость сноса – постоянная, ежегодная головная боль МЧС в прибрежных районах. Так же, всякого рода оптимальное время проведения соревнований или представлений, операющихся, в прямм смысле, на ветер, винд-серфинг, кайтинг, пара- и просто планеризм, парусный спорт.</a:t>
             </a:r>
-          </a:p>
-          <a:p>
-            <a:endParaRPr lang="ru-RU" dirty="0"/>
-          </a:p>
-          <a:p>
-            <a:pPr marL="285750" indent="-285750">
-              <a:buFontTx/>
-              <a:buChar char="-"/>
-            </a:pPr>
-            <a:endParaRPr lang="ru-RU" dirty="0"/>
           </a:p>
           <a:p>
             <a:pPr marL="285750" indent="-285750">
@@ -4179,7 +4169,7 @@
           <a:p>
             <a:r>
               <a:rPr lang="ru-RU" dirty="0"/>
-              <a:t>После обучения модели на исторических данных, необходимо будет организовать систему получения данных с метеостанций, установленных на генераторах.</a:t>
+              <a:t>После обучения модели на исторических данных, необходимо будет организовать систему получения т хранения данных с метеостанций, установленных на генераторах.</a:t>
             </a:r>
           </a:p>
           <a:p>

--- a/FInal_project.pptx
+++ b/FInal_project.pptx
@@ -3376,13 +3376,31 @@
           </a:xfrm>
         </p:spPr>
         <p:txBody>
-          <a:bodyPr/>
+          <a:bodyPr>
+            <a:normAutofit fontScale="90000"/>
+          </a:bodyPr>
           <a:lstStyle/>
           <a:p>
             <a:r>
               <a:rPr lang="ru-RU" dirty="0"/>
               <a:t>Финальный проект</a:t>
             </a:r>
+            <a:br>
+              <a:rPr lang="ru-RU" dirty="0"/>
+            </a:br>
+            <a:r>
+              <a:rPr lang="en-US" dirty="0"/>
+              <a:t>“</a:t>
+            </a:r>
+            <a:r>
+              <a:rPr lang="en-US" dirty="0" err="1"/>
+              <a:t>WeDooN</a:t>
+            </a:r>
+            <a:r>
+              <a:rPr lang="en-US" dirty="0"/>
+              <a:t>”</a:t>
+            </a:r>
+            <a:endParaRPr lang="ru-RU" dirty="0"/>
           </a:p>
         </p:txBody>
       </p:sp>
@@ -3976,7 +3994,7 @@
         <p:spPr>
           <a:xfrm>
             <a:off x="861270" y="394692"/>
-            <a:ext cx="10469459" cy="6186309"/>
+            <a:ext cx="10469459" cy="6463308"/>
           </a:xfrm>
           <a:prstGeom prst="rect">
             <a:avLst/>
@@ -4017,6 +4035,14 @@
             <a:r>
               <a:rPr lang="ru-RU" dirty="0"/>
               <a:t>, яндекс погода</a:t>
+            </a:r>
+            <a:r>
+              <a:rPr lang="en-US" dirty="0"/>
+              <a:t>, METAR, TAF</a:t>
+            </a:r>
+            <a:r>
+              <a:rPr lang="ru-RU" dirty="0"/>
+              <a:t>, любой интернет источник исторических погодных данных</a:t>
             </a:r>
             <a:r>
               <a:rPr lang="en-US" dirty="0"/>

--- a/FInal_project.pptx
+++ b/FInal_project.pptx
@@ -3908,7 +3908,7 @@
         <p:spPr>
           <a:xfrm>
             <a:off x="334108" y="228599"/>
-            <a:ext cx="11465169" cy="2308324"/>
+            <a:ext cx="11465169" cy="3416320"/>
           </a:xfrm>
           <a:prstGeom prst="rect">
             <a:avLst/>
@@ -3940,6 +3940,16 @@
               <a:rPr lang="ru-RU" dirty="0"/>
               <a:t>Имея предсказанные данные о будущей ветровой мощности, появляется возможность оперативно подстраивать нагрузку электрогенератора, поддерживая таким образом КПД установки максимально возможным.</a:t>
             </a:r>
+          </a:p>
+          <a:p>
+            <a:endParaRPr lang="ru-RU" dirty="0"/>
+          </a:p>
+          <a:p>
+            <a:r>
+              <a:rPr lang="ru-RU"/>
+              <a:t>Зная преобладающее направление ветра в подопытной местности, по истроическим данным, позволит устанавливать ветрогенераторы т.о., чтобы уменьшить рысканье (подстройку ротора на ветер) – снижение энергозатрат на «собственые нужды» установки.</a:t>
+            </a:r>
+            <a:endParaRPr lang="ru-RU" dirty="0"/>
           </a:p>
           <a:p>
             <a:endParaRPr lang="ru-RU" dirty="0"/>
@@ -4096,7 +4106,23 @@
             </a:pPr>
             <a:r>
               <a:rPr lang="ru-RU" dirty="0"/>
-              <a:t>На основе истрических данных слепить «предсказатель», т.к. человеки сами не особо в ветер, необходимо обучение «предсказателя» без учителя, отсюда имеем как минимум пару вариантов, регрессия и нейронка.</a:t>
+              <a:t>На основе истрических данных слепить «предсказатель</a:t>
+            </a:r>
+            <a:r>
+              <a:rPr lang="en-US" dirty="0"/>
+              <a:t> </a:t>
+            </a:r>
+            <a:r>
+              <a:rPr lang="ru-RU" dirty="0"/>
+              <a:t>«</a:t>
+            </a:r>
+            <a:r>
+              <a:rPr lang="en-US" dirty="0" err="1"/>
+              <a:t>WeDooN</a:t>
+            </a:r>
+            <a:r>
+              <a:rPr lang="ru-RU" dirty="0"/>
+              <a:t>», т.к. человеки сами не особо в ветер, необходимо обучение «предсказателя» без учителя, отсюда имеем как минимум пару вариантов, регрессия и нейронка.</a:t>
             </a:r>
           </a:p>
           <a:p>
@@ -4195,7 +4221,7 @@
           <a:p>
             <a:r>
               <a:rPr lang="ru-RU" dirty="0"/>
-              <a:t>После обучения модели на исторических данных, необходимо будет организовать систему получения т хранения данных с метеостанций, установленных на генераторах.</a:t>
+              <a:t>После обучения модели на исторических данных, необходимо будет организовать систему получения и хранения данных с метеостанций, установленных на генераторах.</a:t>
             </a:r>
           </a:p>
           <a:p>
